--- a/src/086/課題.pptx
+++ b/src/086/課題.pptx
@@ -118,7 +118,7 @@
   <p1510:revLst>
     <p1510:client id="{27BC61E6-0DCF-EEE5-D891-3927B82961B2}" v="65" dt="2019-10-29T01:32:22.604"/>
     <p1510:client id="{2F7AD786-4568-EF60-2AFC-8A8490CB6683}" v="831" dt="2019-10-29T03:17:46.409"/>
-    <p1510:client id="{501F0776-CDD5-C196-4121-8F50172E5D3B}" v="484" dt="2019-10-30T15:52:01.197"/>
+    <p1510:client id="{501F0776-CDD5-C196-4121-8F50172E5D3B}" v="493" dt="2019-10-30T16:19:16.129"/>
     <p1510:client id="{5E357D90-FBBF-01AE-48C1-96B2E715F620}" v="373" dt="2019-10-30T15:27:24.370"/>
   </p1510:revLst>
 </p1510:revInfo>
@@ -6414,12 +6414,14 @@
                 <a:ea typeface="ＭＳ Ｐゴシック"/>
                 <a:cs typeface="Calibri"/>
               </a:rPr>
-              <a:t>true</a:t>
-            </a:r>
-            <a:endParaRPr lang="ja-JP" altLang="en-US" sz="1400">
+              <a:t>false</a:t>
+            </a:r>
+            <a:endParaRPr lang="ja-JP" altLang="en-US" sz="1400" dirty="0">
               <a:solidFill>
                 <a:schemeClr val="tx1"/>
               </a:solidFill>
+              <a:ea typeface="ＭＳ Ｐゴシック"/>
+              <a:cs typeface="Calibri"/>
             </a:endParaRPr>
           </a:p>
         </p:txBody>
